--- a/2018Android/Jour1/Slide/05_LesVariables.pptx
+++ b/2018Android/Jour1/Slide/05_LesVariables.pptx
@@ -215,7 +215,7 @@
           <a:p>
             <a:fld id="{ACDBDE26-CFCB-4F60-AD6C-8F2F96BDB677}" type="datetimeFigureOut">
               <a:rPr lang="fr-BE" smtClean="0"/>
-              <a:t>26/06/18</a:t>
+              <a:t>10/07/18</a:t>
             </a:fld>
             <a:endParaRPr lang="fr-BE"/>
           </a:p>
@@ -796,7 +796,7 @@
           <a:p>
             <a:fld id="{A71FA295-6315-4750-A0BE-D5FF870C95E1}" type="datetime1">
               <a:rPr lang="fr-BE" smtClean="0"/>
-              <a:t>26/06/18</a:t>
+              <a:t>10/07/18</a:t>
             </a:fld>
             <a:endParaRPr lang="fr-BE"/>
           </a:p>
@@ -1130,7 +1130,7 @@
           <a:p>
             <a:fld id="{CBA376C6-4D79-4E46-9517-9FAD14BF5089}" type="datetime1">
               <a:rPr lang="fr-BE" smtClean="0"/>
-              <a:t>26/06/18</a:t>
+              <a:t>10/07/18</a:t>
             </a:fld>
             <a:endParaRPr lang="fr-BE"/>
           </a:p>
@@ -1408,7 +1408,7 @@
           <a:p>
             <a:fld id="{DE808912-45A0-48B8-BD4C-294A155B2FFC}" type="datetime1">
               <a:rPr lang="fr-BE" smtClean="0"/>
-              <a:t>26/06/18</a:t>
+              <a:t>10/07/18</a:t>
             </a:fld>
             <a:endParaRPr lang="fr-BE"/>
           </a:p>
@@ -1976,7 +1976,7 @@
           <a:p>
             <a:fld id="{94F47ED2-243C-4B52-A388-AAE976E17B37}" type="datetime1">
               <a:rPr lang="fr-BE" smtClean="0"/>
-              <a:t>26/06/18</a:t>
+              <a:t>10/07/18</a:t>
             </a:fld>
             <a:endParaRPr lang="fr-BE"/>
           </a:p>
@@ -2254,7 +2254,7 @@
           <a:p>
             <a:fld id="{1CEF0F9B-BE1F-454D-AB71-103B240B7EB1}" type="datetime1">
               <a:rPr lang="fr-BE" smtClean="0"/>
-              <a:t>26/06/18</a:t>
+              <a:t>10/07/18</a:t>
             </a:fld>
             <a:endParaRPr lang="fr-BE"/>
           </a:p>
@@ -2816,7 +2816,7 @@
           <a:p>
             <a:fld id="{FF8448E5-B6D6-4F58-AC5D-EACE7EBE01F5}" type="datetime1">
               <a:rPr lang="fr-BE" smtClean="0"/>
-              <a:t>26/06/18</a:t>
+              <a:t>10/07/18</a:t>
             </a:fld>
             <a:endParaRPr lang="fr-BE"/>
           </a:p>
@@ -3144,7 +3144,7 @@
           <a:p>
             <a:fld id="{FF8448E5-B6D6-4F58-AC5D-EACE7EBE01F5}" type="datetime1">
               <a:rPr lang="fr-BE" smtClean="0"/>
-              <a:t>26/06/18</a:t>
+              <a:t>10/07/18</a:t>
             </a:fld>
             <a:endParaRPr lang="fr-BE"/>
           </a:p>
@@ -3350,7 +3350,7 @@
           <a:p>
             <a:fld id="{C2278E04-CFC3-4236-802F-042A8450924A}" type="datetime1">
               <a:rPr lang="fr-BE" smtClean="0"/>
-              <a:t>26/06/18</a:t>
+              <a:t>10/07/18</a:t>
             </a:fld>
             <a:endParaRPr lang="fr-BE"/>
           </a:p>
@@ -3560,7 +3560,7 @@
           <a:p>
             <a:fld id="{77F3F93B-654E-442F-B7EE-9CB9787B266C}" type="datetime1">
               <a:rPr lang="fr-BE" smtClean="0"/>
-              <a:t>26/06/18</a:t>
+              <a:t>10/07/18</a:t>
             </a:fld>
             <a:endParaRPr lang="fr-BE"/>
           </a:p>
@@ -3760,7 +3760,7 @@
           <a:p>
             <a:fld id="{EA44E013-7AB8-4162-B528-D6486B1B4404}" type="datetime1">
               <a:rPr lang="fr-BE" smtClean="0"/>
-              <a:t>26/06/18</a:t>
+              <a:t>10/07/18</a:t>
             </a:fld>
             <a:endParaRPr lang="fr-BE"/>
           </a:p>
@@ -4036,7 +4036,7 @@
           <a:p>
             <a:fld id="{FF8448E5-B6D6-4F58-AC5D-EACE7EBE01F5}" type="datetime1">
               <a:rPr lang="fr-BE" smtClean="0"/>
-              <a:t>26/06/18</a:t>
+              <a:t>10/07/18</a:t>
             </a:fld>
             <a:endParaRPr lang="fr-BE"/>
           </a:p>
@@ -4303,7 +4303,7 @@
           <a:p>
             <a:fld id="{A164C104-8669-4D11-A871-DF2B98771270}" type="datetime1">
               <a:rPr lang="fr-BE" smtClean="0"/>
-              <a:t>26/06/18</a:t>
+              <a:t>10/07/18</a:t>
             </a:fld>
             <a:endParaRPr lang="fr-BE"/>
           </a:p>
@@ -4677,7 +4677,7 @@
           <a:p>
             <a:fld id="{7E731652-1540-48E4-9047-91B04A71720F}" type="datetime1">
               <a:rPr lang="fr-BE" smtClean="0"/>
-              <a:t>26/06/18</a:t>
+              <a:t>10/07/18</a:t>
             </a:fld>
             <a:endParaRPr lang="fr-BE"/>
           </a:p>
@@ -4825,7 +4825,7 @@
           <a:p>
             <a:fld id="{E8972FA9-9964-48EE-9136-0E25C03CD770}" type="datetime1">
               <a:rPr lang="fr-BE" smtClean="0"/>
-              <a:t>26/06/18</a:t>
+              <a:t>10/07/18</a:t>
             </a:fld>
             <a:endParaRPr lang="fr-BE"/>
           </a:p>
@@ -4950,7 +4950,7 @@
           <a:p>
             <a:fld id="{E5D0B2E5-4504-4F1A-97C3-B9127D558AA2}" type="datetime1">
               <a:rPr lang="fr-BE" smtClean="0"/>
-              <a:t>26/06/18</a:t>
+              <a:t>10/07/18</a:t>
             </a:fld>
             <a:endParaRPr lang="fr-BE"/>
           </a:p>
@@ -5235,7 +5235,7 @@
           <a:p>
             <a:fld id="{A926368D-ED01-4FA2-A616-E0162359DE46}" type="datetime1">
               <a:rPr lang="fr-BE" smtClean="0"/>
-              <a:t>26/06/18</a:t>
+              <a:t>10/07/18</a:t>
             </a:fld>
             <a:endParaRPr lang="fr-BE"/>
           </a:p>
@@ -5559,7 +5559,7 @@
           <a:p>
             <a:fld id="{F3066F0A-F65F-4DBF-B22C-18AFB922F73D}" type="datetime1">
               <a:rPr lang="fr-BE" smtClean="0"/>
-              <a:t>26/06/18</a:t>
+              <a:t>10/07/18</a:t>
             </a:fld>
             <a:endParaRPr lang="fr-BE"/>
           </a:p>
@@ -5773,7 +5773,7 @@
           <a:p>
             <a:fld id="{FF8448E5-B6D6-4F58-AC5D-EACE7EBE01F5}" type="datetime1">
               <a:rPr lang="fr-BE" smtClean="0"/>
-              <a:t>26/06/18</a:t>
+              <a:t>10/07/18</a:t>
             </a:fld>
             <a:endParaRPr lang="fr-BE"/>
           </a:p>
@@ -6345,13 +6345,13 @@
   <p:clrMapOvr>
     <a:masterClrMapping/>
   </p:clrMapOvr>
-  <mc:AlternateContent xmlns:mc="http://schemas.openxmlformats.org/markup-compatibility/2006">
-    <mc:Choice xmlns:p14="http://schemas.microsoft.com/office/powerpoint/2010/main" Requires="p14">
+  <mc:AlternateContent xmlns:mc="http://schemas.openxmlformats.org/markup-compatibility/2006" xmlns:p14="http://schemas.microsoft.com/office/powerpoint/2010/main">
+    <mc:Choice Requires="p14">
       <p:transition spd="med" p14:dur="700">
         <p:fade/>
       </p:transition>
     </mc:Choice>
-    <mc:Fallback>
+    <mc:Fallback xmlns="">
       <p:transition spd="med">
         <p:fade/>
       </p:transition>
@@ -6498,7 +6498,7 @@
         <p:spPr>
           <a:xfrm>
             <a:off x="5803787" y="3192905"/>
-            <a:ext cx="5186041" cy="2674495"/>
+            <a:ext cx="5186040" cy="2674495"/>
           </a:xfrm>
           <a:prstGeom prst="rect">
             <a:avLst/>
@@ -6515,13 +6515,13 @@
   <p:clrMapOvr>
     <a:masterClrMapping/>
   </p:clrMapOvr>
-  <mc:AlternateContent xmlns:mc="http://schemas.openxmlformats.org/markup-compatibility/2006">
-    <mc:Choice xmlns:p14="http://schemas.microsoft.com/office/powerpoint/2010/main" Requires="p14">
+  <mc:AlternateContent xmlns:mc="http://schemas.openxmlformats.org/markup-compatibility/2006" xmlns:p14="http://schemas.microsoft.com/office/powerpoint/2010/main">
+    <mc:Choice Requires="p14">
       <p:transition spd="med" p14:dur="700">
         <p:fade/>
       </p:transition>
     </mc:Choice>
-    <mc:Fallback>
+    <mc:Fallback xmlns="">
       <p:transition spd="med">
         <p:fade/>
       </p:transition>
@@ -6676,13 +6676,13 @@
   <p:clrMapOvr>
     <a:masterClrMapping/>
   </p:clrMapOvr>
-  <mc:AlternateContent xmlns:mc="http://schemas.openxmlformats.org/markup-compatibility/2006">
-    <mc:Choice xmlns:p14="http://schemas.microsoft.com/office/powerpoint/2010/main" Requires="p14">
+  <mc:AlternateContent xmlns:mc="http://schemas.openxmlformats.org/markup-compatibility/2006" xmlns:p14="http://schemas.microsoft.com/office/powerpoint/2010/main">
+    <mc:Choice Requires="p14">
       <p:transition spd="med" p14:dur="700">
         <p:fade/>
       </p:transition>
     </mc:Choice>
-    <mc:Fallback>
+    <mc:Fallback xmlns="">
       <p:transition spd="med">
         <p:fade/>
       </p:transition>
@@ -6944,13 +6944,13 @@
   <p:clrMapOvr>
     <a:masterClrMapping/>
   </p:clrMapOvr>
-  <mc:AlternateContent xmlns:mc="http://schemas.openxmlformats.org/markup-compatibility/2006">
-    <mc:Choice xmlns:p14="http://schemas.microsoft.com/office/powerpoint/2010/main" Requires="p14">
+  <mc:AlternateContent xmlns:mc="http://schemas.openxmlformats.org/markup-compatibility/2006" xmlns:p14="http://schemas.microsoft.com/office/powerpoint/2010/main">
+    <mc:Choice Requires="p14">
       <p:transition spd="med" p14:dur="700">
         <p:fade/>
       </p:transition>
     </mc:Choice>
-    <mc:Fallback>
+    <mc:Fallback xmlns="">
       <p:transition spd="med">
         <p:fade/>
       </p:transition>
@@ -7140,13 +7140,13 @@
   <p:clrMapOvr>
     <a:masterClrMapping/>
   </p:clrMapOvr>
-  <mc:AlternateContent xmlns:mc="http://schemas.openxmlformats.org/markup-compatibility/2006">
-    <mc:Choice xmlns:p14="http://schemas.microsoft.com/office/powerpoint/2010/main" Requires="p14">
+  <mc:AlternateContent xmlns:mc="http://schemas.openxmlformats.org/markup-compatibility/2006" xmlns:p14="http://schemas.microsoft.com/office/powerpoint/2010/main">
+    <mc:Choice Requires="p14">
       <p:transition spd="med" p14:dur="700">
         <p:fade/>
       </p:transition>
     </mc:Choice>
-    <mc:Fallback>
+    <mc:Fallback xmlns="">
       <p:transition spd="med">
         <p:fade/>
       </p:transition>
@@ -7696,13 +7696,13 @@
   <p:clrMapOvr>
     <a:masterClrMapping/>
   </p:clrMapOvr>
-  <mc:AlternateContent xmlns:mc="http://schemas.openxmlformats.org/markup-compatibility/2006">
-    <mc:Choice xmlns:p14="http://schemas.microsoft.com/office/powerpoint/2010/main" Requires="p14">
+  <mc:AlternateContent xmlns:mc="http://schemas.openxmlformats.org/markup-compatibility/2006" xmlns:p14="http://schemas.microsoft.com/office/powerpoint/2010/main">
+    <mc:Choice Requires="p14">
       <p:transition spd="med" p14:dur="700">
         <p:fade/>
       </p:transition>
     </mc:Choice>
-    <mc:Fallback>
+    <mc:Fallback xmlns="">
       <p:transition spd="med">
         <p:fade/>
       </p:transition>
@@ -7838,13 +7838,13 @@
   <p:clrMapOvr>
     <a:masterClrMapping/>
   </p:clrMapOvr>
-  <mc:AlternateContent xmlns:mc="http://schemas.openxmlformats.org/markup-compatibility/2006">
-    <mc:Choice xmlns:p14="http://schemas.microsoft.com/office/powerpoint/2010/main" Requires="p14">
+  <mc:AlternateContent xmlns:mc="http://schemas.openxmlformats.org/markup-compatibility/2006" xmlns:p14="http://schemas.microsoft.com/office/powerpoint/2010/main">
+    <mc:Choice Requires="p14">
       <p:transition spd="med" p14:dur="700">
         <p:fade/>
       </p:transition>
     </mc:Choice>
-    <mc:Fallback>
+    <mc:Fallback xmlns="">
       <p:transition spd="med">
         <p:fade/>
       </p:transition>
@@ -8011,13 +8011,13 @@
   <p:clrMapOvr>
     <a:masterClrMapping/>
   </p:clrMapOvr>
-  <mc:AlternateContent xmlns:mc="http://schemas.openxmlformats.org/markup-compatibility/2006">
-    <mc:Choice xmlns:p14="http://schemas.microsoft.com/office/powerpoint/2010/main" Requires="p14">
+  <mc:AlternateContent xmlns:mc="http://schemas.openxmlformats.org/markup-compatibility/2006" xmlns:p14="http://schemas.microsoft.com/office/powerpoint/2010/main">
+    <mc:Choice Requires="p14">
       <p:transition spd="med" p14:dur="700">
         <p:fade/>
       </p:transition>
     </mc:Choice>
-    <mc:Fallback>
+    <mc:Fallback xmlns="">
       <p:transition spd="med">
         <p:fade/>
       </p:transition>
